--- a/Minimaxed tic tac toe.pptx
+++ b/Minimaxed tic tac toe.pptx
@@ -110,6 +110,11 @@
       </a:defRPr>
     </a:lvl9pPr>
   </p:defaultTextStyle>
+  <p:extLst>
+    <p:ext uri="{EFAFB233-063F-42B5-8137-9DF3F51BA10A}">
+      <p15:sldGuideLst xmlns:p15="http://schemas.microsoft.com/office/powerpoint/2012/main"/>
+    </p:ext>
+  </p:extLst>
 </p:presentation>
 </file>
 
@@ -260,7 +265,7 @@
           <a:p>
             <a:fld id="{8AC50D0E-3652-4B31-A0A2-23CEE552CA48}" type="datetimeFigureOut">
               <a:rPr lang="en-US" smtClean="0"/>
-              <a:t>7/9/2020</a:t>
+              <a:t>7/10/2020</a:t>
             </a:fld>
             <a:endParaRPr lang="en-US"/>
           </a:p>
@@ -458,7 +463,7 @@
           <a:p>
             <a:fld id="{8AC50D0E-3652-4B31-A0A2-23CEE552CA48}" type="datetimeFigureOut">
               <a:rPr lang="en-US" smtClean="0"/>
-              <a:t>7/9/2020</a:t>
+              <a:t>7/10/2020</a:t>
             </a:fld>
             <a:endParaRPr lang="en-US"/>
           </a:p>
@@ -666,7 +671,7 @@
           <a:p>
             <a:fld id="{8AC50D0E-3652-4B31-A0A2-23CEE552CA48}" type="datetimeFigureOut">
               <a:rPr lang="en-US" smtClean="0"/>
-              <a:t>7/9/2020</a:t>
+              <a:t>7/10/2020</a:t>
             </a:fld>
             <a:endParaRPr lang="en-US"/>
           </a:p>
@@ -864,7 +869,7 @@
           <a:p>
             <a:fld id="{8AC50D0E-3652-4B31-A0A2-23CEE552CA48}" type="datetimeFigureOut">
               <a:rPr lang="en-US" smtClean="0"/>
-              <a:t>7/9/2020</a:t>
+              <a:t>7/10/2020</a:t>
             </a:fld>
             <a:endParaRPr lang="en-US"/>
           </a:p>
@@ -1139,7 +1144,7 @@
           <a:p>
             <a:fld id="{8AC50D0E-3652-4B31-A0A2-23CEE552CA48}" type="datetimeFigureOut">
               <a:rPr lang="en-US" smtClean="0"/>
-              <a:t>7/9/2020</a:t>
+              <a:t>7/10/2020</a:t>
             </a:fld>
             <a:endParaRPr lang="en-US"/>
           </a:p>
@@ -1404,7 +1409,7 @@
           <a:p>
             <a:fld id="{8AC50D0E-3652-4B31-A0A2-23CEE552CA48}" type="datetimeFigureOut">
               <a:rPr lang="en-US" smtClean="0"/>
-              <a:t>7/9/2020</a:t>
+              <a:t>7/10/2020</a:t>
             </a:fld>
             <a:endParaRPr lang="en-US"/>
           </a:p>
@@ -1816,7 +1821,7 @@
           <a:p>
             <a:fld id="{8AC50D0E-3652-4B31-A0A2-23CEE552CA48}" type="datetimeFigureOut">
               <a:rPr lang="en-US" smtClean="0"/>
-              <a:t>7/9/2020</a:t>
+              <a:t>7/10/2020</a:t>
             </a:fld>
             <a:endParaRPr lang="en-US"/>
           </a:p>
@@ -1957,7 +1962,7 @@
           <a:p>
             <a:fld id="{8AC50D0E-3652-4B31-A0A2-23CEE552CA48}" type="datetimeFigureOut">
               <a:rPr lang="en-US" smtClean="0"/>
-              <a:t>7/9/2020</a:t>
+              <a:t>7/10/2020</a:t>
             </a:fld>
             <a:endParaRPr lang="en-US"/>
           </a:p>
@@ -2070,7 +2075,7 @@
           <a:p>
             <a:fld id="{8AC50D0E-3652-4B31-A0A2-23CEE552CA48}" type="datetimeFigureOut">
               <a:rPr lang="en-US" smtClean="0"/>
-              <a:t>7/9/2020</a:t>
+              <a:t>7/10/2020</a:t>
             </a:fld>
             <a:endParaRPr lang="en-US"/>
           </a:p>
@@ -2381,7 +2386,7 @@
           <a:p>
             <a:fld id="{8AC50D0E-3652-4B31-A0A2-23CEE552CA48}" type="datetimeFigureOut">
               <a:rPr lang="en-US" smtClean="0"/>
-              <a:t>7/9/2020</a:t>
+              <a:t>7/10/2020</a:t>
             </a:fld>
             <a:endParaRPr lang="en-US"/>
           </a:p>
@@ -2669,7 +2674,7 @@
           <a:p>
             <a:fld id="{8AC50D0E-3652-4B31-A0A2-23CEE552CA48}" type="datetimeFigureOut">
               <a:rPr lang="en-US" smtClean="0"/>
-              <a:t>7/9/2020</a:t>
+              <a:t>7/10/2020</a:t>
             </a:fld>
             <a:endParaRPr lang="en-US"/>
           </a:p>
@@ -2910,7 +2915,7 @@
           <a:p>
             <a:fld id="{8AC50D0E-3652-4B31-A0A2-23CEE552CA48}" type="datetimeFigureOut">
               <a:rPr lang="en-US" smtClean="0"/>
-              <a:t>7/9/2020</a:t>
+              <a:t>7/10/2020</a:t>
             </a:fld>
             <a:endParaRPr lang="en-US"/>
           </a:p>
@@ -5137,16 +5142,14 @@
       </p:sp>
       <p:pic>
         <p:nvPicPr>
-          <p:cNvPr id="4" name="Picture 3">
-            <a:extLst>
-              <a:ext uri="{FF2B5EF4-FFF2-40B4-BE49-F238E27FC236}">
-                <a16:creationId xmlns:a16="http://schemas.microsoft.com/office/drawing/2014/main" id="{E20482B0-9AA9-4EF6-8A42-3D327892CDC5}"/>
-              </a:ext>
-            </a:extLst>
-          </p:cNvPr>
-          <p:cNvPicPr>
-            <a:picLocks noChangeAspect="1"/>
-          </p:cNvPicPr>
+          <p:cNvPr id="9" name="Picture 8">
+            <a:extLst>
+              <a:ext uri="{FF2B5EF4-FFF2-40B4-BE49-F238E27FC236}">
+                <a16:creationId xmlns:a16="http://schemas.microsoft.com/office/drawing/2014/main" id="{EE0D1794-D1BE-44E0-9B86-FBFDFFF1AE11}"/>
+              </a:ext>
+            </a:extLst>
+          </p:cNvPr>
+          <p:cNvPicPr/>
           <p:nvPr/>
         </p:nvPicPr>
         <p:blipFill>
@@ -5157,14 +5160,25 @@
         </p:blipFill>
         <p:spPr>
           <a:xfrm>
-            <a:off x="833073" y="771988"/>
-            <a:ext cx="2843273" cy="2809303"/>
+            <a:off x="6096000" y="1039299"/>
+            <a:ext cx="4428931" cy="4779401"/>
           </a:xfrm>
           <a:prstGeom prst="rect">
             <a:avLst/>
           </a:prstGeom>
+          <a:ln w="38100" cap="sq">
+            <a:solidFill>
+              <a:srgbClr val="000000"/>
+            </a:solidFill>
+            <a:prstDash val="solid"/>
+            <a:miter lim="800000"/>
+          </a:ln>
           <a:effectLst>
-            <a:softEdge rad="127000"/>
+            <a:outerShdw blurRad="50800" dist="38100" dir="2700000" algn="tl" rotWithShape="0">
+              <a:srgbClr val="000000">
+                <a:alpha val="43000"/>
+              </a:srgbClr>
+            </a:outerShdw>
           </a:effectLst>
         </p:spPr>
       </p:pic>
